--- a/public/resources/retirement_banner.pptx
+++ b/public/resources/retirement_banner.pptx
@@ -104,6 +104,11 @@
       </a:defRPr>
     </a:lvl9pPr>
   </p:defaultTextStyle>
+  <p:extLst>
+    <p:ext uri="{EFAFB233-063F-42B5-8137-9DF3F51BA10A}">
+      <p15:sldGuideLst xmlns:p15="http://schemas.microsoft.com/office/powerpoint/2012/main"/>
+    </p:ext>
+  </p:extLst>
 </p:presentation>
 </file>
 
@@ -3400,26 +3405,36 @@
         </p:nvSpPr>
         <p:spPr>
           <a:xfrm>
-            <a:off x="1524000" y="1697466"/>
+            <a:off x="1524000" y="1108381"/>
             <a:ext cx="9144000" cy="2387600"/>
           </a:xfrm>
         </p:spPr>
         <p:txBody>
-          <a:bodyPr/>
-          <a:lstStyle/>
-          <a:p>
-            <a:r>
-              <a:rPr lang="zh-CN" altLang="en-US" dirty="0"/>
+          <a:bodyPr>
+            <a:normAutofit/>
+          </a:bodyPr>
+          <a:lstStyle/>
+          <a:p>
+            <a:r>
+              <a:rPr lang="zh-CN" altLang="en-US" sz="4400" b="1" dirty="0">
+                <a:latin typeface="Bell MT" panose="02020503060305020303" pitchFamily="18" charset="0"/>
+              </a:rPr>
               <a:t>退休养老 你准备好了吗</a:t>
             </a:r>
             <a:br>
-              <a:rPr lang="en-CA" altLang="zh-CN" dirty="0"/>
+              <a:rPr lang="en-CA" altLang="zh-CN" sz="4000" b="1" dirty="0">
+                <a:latin typeface="Bell MT" panose="02020503060305020303" pitchFamily="18" charset="0"/>
+              </a:rPr>
             </a:br>
             <a:r>
-              <a:rPr lang="en-US" altLang="zh-TW" dirty="0"/>
+              <a:rPr lang="en-US" altLang="zh-TW" sz="4800" dirty="0">
+                <a:latin typeface="Bell MT" panose="02020503060305020303" pitchFamily="18" charset="0"/>
+              </a:rPr>
               <a:t>Ready for Retirement?</a:t>
             </a:r>
-            <a:endParaRPr lang="en-CA" dirty="0"/>
+            <a:endParaRPr lang="en-CA" sz="4800" dirty="0">
+              <a:latin typeface="Bell MT" panose="02020503060305020303" pitchFamily="18" charset="0"/>
+            </a:endParaRPr>
           </a:p>
         </p:txBody>
       </p:sp>
